--- a/talk.pptx
+++ b/talk.pptx
@@ -5214,7 +5214,7 @@
             <p:spPr>
               <a:xfrm>
                 <a:off x="446049" y="1405053"/>
-                <a:ext cx="4009218" cy="3181320"/>
+                <a:ext cx="4009218" cy="4012317"/>
               </a:xfrm>
               <a:prstGeom prst="rect">
                 <a:avLst/>
@@ -5226,6 +5226,29 @@
                 <a:spAutoFit/>
               </a:bodyPr>
               <a:lstStyle/>
+              <a:p>
+                <a:pPr marL="285750" indent="-285750">
+                  <a:buFont typeface="Wingdings" pitchFamily="2" charset="2"/>
+                  <a:buChar char="§"/>
+                </a:pPr>
+                <a:r>
+                  <a:rPr lang="en-DE" dirty="0"/>
+                  <a:t>Fixed loss (balanced)</a:t>
+                </a:r>
+              </a:p>
+              <a:p>
+                <a:r>
+                  <a:rPr lang="en-DE" dirty="0"/>
+                  <a:t>= 0.5</a:t>
+                </a:r>
+              </a:p>
+              <a:p>
+                <a:pPr marL="285750" indent="-285750">
+                  <a:buFont typeface="Wingdings" pitchFamily="2" charset="2"/>
+                  <a:buChar char="§"/>
+                </a:pPr>
+                <a:endParaRPr lang="en-DE" dirty="0"/>
+              </a:p>
               <a:p>
                 <a:pPr marL="285750" indent="-285750">
                   <a:buFont typeface="Wingdings" pitchFamily="2" charset="2"/>
@@ -5925,7 +5948,7 @@
             <p:spPr>
               <a:xfrm>
                 <a:off x="446049" y="1405053"/>
-                <a:ext cx="4009218" cy="3181320"/>
+                <a:ext cx="4009218" cy="4012317"/>
               </a:xfrm>
               <a:prstGeom prst="rect">
                 <a:avLst/>
@@ -5933,7 +5956,7 @@
               <a:blipFill>
                 <a:blip r:embed="rId5"/>
                 <a:stretch>
-                  <a:fillRect l="-1266" t="-797" b="-2390"/>
+                  <a:fillRect l="-1266" t="-631" b="-1262"/>
                 </a:stretch>
               </a:blipFill>
             </p:spPr>
@@ -6046,35 +6069,6 @@
           </a:p>
         </p:txBody>
       </p:sp>
-      <p:pic>
-        <p:nvPicPr>
-          <p:cNvPr id="8" name="Content Placeholder 7">
-            <a:extLst>
-              <a:ext uri="{FF2B5EF4-FFF2-40B4-BE49-F238E27FC236}">
-                <a16:creationId xmlns:a16="http://schemas.microsoft.com/office/drawing/2014/main" id="{7F717689-5AD6-394B-8E2C-37478E228A59}"/>
-              </a:ext>
-            </a:extLst>
-          </p:cNvPr>
-          <p:cNvPicPr>
-            <a:picLocks noGrp="1" noChangeAspect="1"/>
-          </p:cNvPicPr>
-          <p:nvPr>
-            <p:ph idx="1"/>
-          </p:nvPr>
-        </p:nvPicPr>
-        <p:blipFill>
-          <a:blip r:embed="rId2"/>
-          <a:stretch>
-            <a:fillRect/>
-          </a:stretch>
-        </p:blipFill>
-        <p:spPr>
-          <a:xfrm>
-            <a:off x="4423206" y="1241339"/>
-            <a:ext cx="7159193" cy="4691110"/>
-          </a:xfrm>
-        </p:spPr>
-      </p:pic>
       <p:sp>
         <p:nvSpPr>
           <p:cNvPr id="6" name="TextBox 5">
@@ -6128,7 +6122,7 @@
             <p:spPr>
               <a:xfrm>
                 <a:off x="446049" y="1405053"/>
-                <a:ext cx="4009218" cy="3181320"/>
+                <a:ext cx="4009218" cy="4289316"/>
               </a:xfrm>
               <a:prstGeom prst="rect">
                 <a:avLst/>
@@ -6140,6 +6134,123 @@
                 <a:spAutoFit/>
               </a:bodyPr>
               <a:lstStyle/>
+              <a:p>
+                <a:pPr marL="285750" indent="-285750">
+                  <a:buFont typeface="Wingdings" pitchFamily="2" charset="2"/>
+                  <a:buChar char="§"/>
+                </a:pPr>
+                <a:r>
+                  <a:rPr lang="en-DE" dirty="0"/>
+                  <a:t>Fixed priors (balanced)</a:t>
+                </a:r>
+              </a:p>
+              <a:p>
+                <a:r>
+                  <a:rPr lang="en-DE" dirty="0"/>
+                  <a:t>= </a:t>
+                </a:r>
+                <a14:m>
+                  <m:oMath xmlns:m="http://schemas.openxmlformats.org/officeDocument/2006/math">
+                    <m:r>
+                      <a:rPr lang="en-US" b="0" i="1" smtClean="0">
+                        <a:latin typeface="Cambria Math" panose="02040503050406030204" pitchFamily="18" charset="0"/>
+                      </a:rPr>
+                      <m:t>𝑃</m:t>
+                    </m:r>
+                    <m:d>
+                      <m:dPr>
+                        <m:ctrlPr>
+                          <a:rPr lang="en-US" b="0" i="1" smtClean="0">
+                            <a:latin typeface="Cambria Math" panose="02040503050406030204" pitchFamily="18" charset="0"/>
+                          </a:rPr>
+                        </m:ctrlPr>
+                      </m:dPr>
+                      <m:e>
+                        <m:r>
+                          <a:rPr lang="en-US" b="0" i="1" smtClean="0">
+                            <a:latin typeface="Cambria Math" panose="02040503050406030204" pitchFamily="18" charset="0"/>
+                          </a:rPr>
+                          <m:t>𝑦</m:t>
+                        </m:r>
+                        <m:r>
+                          <a:rPr lang="en-US" b="0" i="1" smtClean="0">
+                            <a:latin typeface="Cambria Math" panose="02040503050406030204" pitchFamily="18" charset="0"/>
+                          </a:rPr>
+                          <m:t>=</m:t>
+                        </m:r>
+                        <m:r>
+                          <a:rPr lang="en-US" b="0" i="1" smtClean="0">
+                            <a:latin typeface="Cambria Math" panose="02040503050406030204" pitchFamily="18" charset="0"/>
+                          </a:rPr>
+                          <m:t>𝑓</m:t>
+                        </m:r>
+                      </m:e>
+                    </m:d>
+                    <m:r>
+                      <a:rPr lang="en-US" b="0" i="1" smtClean="0">
+                        <a:latin typeface="Cambria Math" panose="02040503050406030204" pitchFamily="18" charset="0"/>
+                      </a:rPr>
+                      <m:t>=</m:t>
+                    </m:r>
+                    <m:r>
+                      <a:rPr lang="en-US" b="0" i="1" smtClean="0">
+                        <a:latin typeface="Cambria Math" panose="02040503050406030204" pitchFamily="18" charset="0"/>
+                      </a:rPr>
+                      <m:t>𝑃</m:t>
+                    </m:r>
+                    <m:d>
+                      <m:dPr>
+                        <m:ctrlPr>
+                          <a:rPr lang="en-US" b="0" i="1" smtClean="0">
+                            <a:latin typeface="Cambria Math" panose="02040503050406030204" pitchFamily="18" charset="0"/>
+                          </a:rPr>
+                        </m:ctrlPr>
+                      </m:dPr>
+                      <m:e>
+                        <m:r>
+                          <a:rPr lang="en-US" b="0" i="1" smtClean="0">
+                            <a:latin typeface="Cambria Math" panose="02040503050406030204" pitchFamily="18" charset="0"/>
+                          </a:rPr>
+                          <m:t>𝑦</m:t>
+                        </m:r>
+                        <m:r>
+                          <a:rPr lang="en-US" b="0" i="1" smtClean="0">
+                            <a:latin typeface="Cambria Math" panose="02040503050406030204" pitchFamily="18" charset="0"/>
+                          </a:rPr>
+                          <m:t>=</m:t>
+                        </m:r>
+                        <m:r>
+                          <a:rPr lang="en-US" b="0" i="1" smtClean="0">
+                            <a:latin typeface="Cambria Math" panose="02040503050406030204" pitchFamily="18" charset="0"/>
+                          </a:rPr>
+                          <m:t>𝑚</m:t>
+                        </m:r>
+                      </m:e>
+                    </m:d>
+                    <m:r>
+                      <a:rPr lang="en-US" b="0" i="1" smtClean="0">
+                        <a:latin typeface="Cambria Math" panose="02040503050406030204" pitchFamily="18" charset="0"/>
+                      </a:rPr>
+                      <m:t>=0.5</m:t>
+                    </m:r>
+                  </m:oMath>
+                </a14:m>
+                <a:endParaRPr lang="en-DE" dirty="0"/>
+              </a:p>
+              <a:p>
+                <a:pPr marL="285750" indent="-285750">
+                  <a:buFont typeface="Wingdings" pitchFamily="2" charset="2"/>
+                  <a:buChar char="§"/>
+                </a:pPr>
+                <a:endParaRPr lang="en-DE" dirty="0"/>
+              </a:p>
+              <a:p>
+                <a:pPr marL="285750" indent="-285750">
+                  <a:buFont typeface="Wingdings" pitchFamily="2" charset="2"/>
+                  <a:buChar char="§"/>
+                </a:pPr>
+                <a:endParaRPr lang="en-DE" dirty="0"/>
+              </a:p>
               <a:p>
                 <a:pPr marL="285750" indent="-285750">
                   <a:buFont typeface="Wingdings" pitchFamily="2" charset="2"/>
@@ -6839,15 +6950,15 @@
             <p:spPr>
               <a:xfrm>
                 <a:off x="446049" y="1405053"/>
-                <a:ext cx="4009218" cy="3181320"/>
+                <a:ext cx="4009218" cy="4289316"/>
               </a:xfrm>
               <a:prstGeom prst="rect">
                 <a:avLst/>
               </a:prstGeom>
               <a:blipFill>
-                <a:blip r:embed="rId3"/>
+                <a:blip r:embed="rId2"/>
                 <a:stretch>
-                  <a:fillRect l="-1266" t="-797" b="-2390"/>
+                  <a:fillRect l="-1266" t="-590" b="-1180"/>
                 </a:stretch>
               </a:blipFill>
             </p:spPr>
@@ -6866,6 +6977,35 @@
           </p:sp>
         </mc:Fallback>
       </mc:AlternateContent>
+      <p:pic>
+        <p:nvPicPr>
+          <p:cNvPr id="13" name="Content Placeholder 12">
+            <a:extLst>
+              <a:ext uri="{FF2B5EF4-FFF2-40B4-BE49-F238E27FC236}">
+                <a16:creationId xmlns:a16="http://schemas.microsoft.com/office/drawing/2014/main" id="{02E2F1FE-D694-F44C-B120-A722D0DFB9F3}"/>
+              </a:ext>
+            </a:extLst>
+          </p:cNvPr>
+          <p:cNvPicPr>
+            <a:picLocks noGrp="1" noChangeAspect="1"/>
+          </p:cNvPicPr>
+          <p:nvPr>
+            <p:ph idx="1"/>
+          </p:nvPr>
+        </p:nvPicPr>
+        <p:blipFill>
+          <a:blip r:embed="rId3"/>
+          <a:stretch>
+            <a:fillRect/>
+          </a:stretch>
+        </p:blipFill>
+        <p:spPr>
+          <a:xfrm>
+            <a:off x="4360523" y="1241339"/>
+            <a:ext cx="7221876" cy="4732183"/>
+          </a:xfrm>
+        </p:spPr>
+      </p:pic>
     </p:spTree>
     <p:extLst>
       <p:ext uri="{BB962C8B-B14F-4D97-AF65-F5344CB8AC3E}">

--- a/talk.pptx
+++ b/talk.pptx
@@ -5,7 +5,7 @@
     <p:sldMasterId id="2147483670" r:id="rId1"/>
   </p:sldMasterIdLst>
   <p:notesMasterIdLst>
-    <p:notesMasterId r:id="rId15"/>
+    <p:notesMasterId r:id="rId13"/>
   </p:notesMasterIdLst>
   <p:sldIdLst>
     <p:sldId id="256" r:id="rId2"/>
@@ -19,8 +19,6 @@
     <p:sldId id="721" r:id="rId10"/>
     <p:sldId id="722" r:id="rId11"/>
     <p:sldId id="715" r:id="rId12"/>
-    <p:sldId id="718" r:id="rId13"/>
-    <p:sldId id="717" r:id="rId14"/>
   </p:sldIdLst>
   <p:sldSz cx="12192000" cy="6858000"/>
   <p:notesSz cx="6858000" cy="9144000"/>
@@ -3040,7 +3038,7 @@
         </p:nvSpPr>
         <p:spPr>
           <a:xfrm>
-            <a:off x="337324" y="61202"/>
+            <a:off x="337323" y="80110"/>
             <a:ext cx="10972800" cy="590689"/>
           </a:xfrm>
         </p:spPr>
@@ -3050,7 +3048,7 @@
           <a:p>
             <a:r>
               <a:rPr lang="en-DE" dirty="0"/>
-              <a:t>4. Unbalanced Priors and Unbalanced Loss</a:t>
+              <a:t>Illustration</a:t>
             </a:r>
           </a:p>
         </p:txBody>
@@ -3109,11 +3107,46 @@
         </p:blipFill>
         <p:spPr>
           <a:xfrm>
-            <a:off x="609599" y="918083"/>
+            <a:off x="609599" y="1184275"/>
             <a:ext cx="10428249" cy="5308600"/>
           </a:xfrm>
         </p:spPr>
       </p:pic>
+      <p:sp>
+        <p:nvSpPr>
+          <p:cNvPr id="7" name="TextBox 6">
+            <a:extLst>
+              <a:ext uri="{FF2B5EF4-FFF2-40B4-BE49-F238E27FC236}">
+                <a16:creationId xmlns:a16="http://schemas.microsoft.com/office/drawing/2014/main" id="{0D72A3B3-C707-E742-8F27-FE3E5087B787}"/>
+              </a:ext>
+            </a:extLst>
+          </p:cNvPr>
+          <p:cNvSpPr txBox="1"/>
+          <p:nvPr/>
+        </p:nvSpPr>
+        <p:spPr>
+          <a:xfrm>
+            <a:off x="609601" y="737706"/>
+            <a:ext cx="3904033" cy="369332"/>
+          </a:xfrm>
+          <a:prstGeom prst="rect">
+            <a:avLst/>
+          </a:prstGeom>
+          <a:noFill/>
+        </p:spPr>
+        <p:txBody>
+          <a:bodyPr wrap="square" rtlCol="0">
+            <a:spAutoFit/>
+          </a:bodyPr>
+          <a:lstStyle/>
+          <a:p>
+            <a:r>
+              <a:rPr lang="en-DE" dirty="0"/>
+              <a:t>4. Unbalance priors and unbalanced loss</a:t>
+            </a:r>
+          </a:p>
+        </p:txBody>
+      </p:sp>
     </p:spTree>
     <p:extLst>
       <p:ext uri="{BB962C8B-B14F-4D97-AF65-F5344CB8AC3E}">
@@ -3160,7 +3193,12 @@
             <p:ph type="title"/>
           </p:nvPr>
         </p:nvSpPr>
-        <p:spPr/>
+        <p:spPr>
+          <a:xfrm>
+            <a:off x="330820" y="96166"/>
+            <a:ext cx="10972800" cy="590689"/>
+          </a:xfrm>
+        </p:spPr>
         <p:txBody>
           <a:bodyPr>
             <a:normAutofit/>
@@ -3220,7 +3258,12 @@
             <p:ph idx="1"/>
           </p:nvPr>
         </p:nvSpPr>
-        <p:spPr/>
+        <p:spPr>
+          <a:xfrm>
+            <a:off x="330820" y="935159"/>
+            <a:ext cx="10972800" cy="5309412"/>
+          </a:xfrm>
+        </p:spPr>
         <p:txBody>
           <a:bodyPr anchor="ctr"/>
           <a:lstStyle/>
@@ -3269,322 +3312,6 @@
     <p:extLst>
       <p:ext uri="{BB962C8B-B14F-4D97-AF65-F5344CB8AC3E}">
         <p14:creationId xmlns:p14="http://schemas.microsoft.com/office/powerpoint/2010/main" val="4180057956"/>
-      </p:ext>
-    </p:extLst>
-  </p:cSld>
-  <p:clrMapOvr>
-    <a:masterClrMapping/>
-  </p:clrMapOvr>
-</p:sld>
-</file>
-
-<file path=ppt/slides/slide12.xml><?xml version="1.0" encoding="utf-8"?>
-<p:sld xmlns:a="http://schemas.openxmlformats.org/drawingml/2006/main" xmlns:r="http://schemas.openxmlformats.org/officeDocument/2006/relationships" xmlns:p="http://schemas.openxmlformats.org/presentationml/2006/main">
-  <p:cSld>
-    <p:spTree>
-      <p:nvGrpSpPr>
-        <p:cNvPr id="1" name=""/>
-        <p:cNvGrpSpPr/>
-        <p:nvPr/>
-      </p:nvGrpSpPr>
-      <p:grpSpPr>
-        <a:xfrm>
-          <a:off x="0" y="0"/>
-          <a:ext cx="0" cy="0"/>
-          <a:chOff x="0" y="0"/>
-          <a:chExt cx="0" cy="0"/>
-        </a:xfrm>
-      </p:grpSpPr>
-      <p:sp>
-        <p:nvSpPr>
-          <p:cNvPr id="2" name="Title 1">
-            <a:extLst>
-              <a:ext uri="{FF2B5EF4-FFF2-40B4-BE49-F238E27FC236}">
-                <a16:creationId xmlns:a16="http://schemas.microsoft.com/office/drawing/2014/main" id="{58E6E897-53F1-C643-98CF-03EAF03FB0F9}"/>
-              </a:ext>
-            </a:extLst>
-          </p:cNvPr>
-          <p:cNvSpPr>
-            <a:spLocks noGrp="1"/>
-          </p:cNvSpPr>
-          <p:nvPr>
-            <p:ph type="title"/>
-          </p:nvPr>
-        </p:nvSpPr>
-        <p:spPr/>
-        <p:txBody>
-          <a:bodyPr/>
-          <a:lstStyle/>
-          <a:p>
-            <a:r>
-              <a:rPr lang="en-US" dirty="0"/>
-              <a:t>Appendix</a:t>
-            </a:r>
-          </a:p>
-        </p:txBody>
-      </p:sp>
-      <p:sp>
-        <p:nvSpPr>
-          <p:cNvPr id="3" name="Slide Number Placeholder 2">
-            <a:extLst>
-              <a:ext uri="{FF2B5EF4-FFF2-40B4-BE49-F238E27FC236}">
-                <a16:creationId xmlns:a16="http://schemas.microsoft.com/office/drawing/2014/main" id="{631AEC49-E1ED-4549-A087-6CE3B4F80AE1}"/>
-              </a:ext>
-            </a:extLst>
-          </p:cNvPr>
-          <p:cNvSpPr>
-            <a:spLocks noGrp="1"/>
-          </p:cNvSpPr>
-          <p:nvPr>
-            <p:ph type="sldNum" sz="quarter" idx="12"/>
-          </p:nvPr>
-        </p:nvSpPr>
-        <p:spPr/>
-        <p:txBody>
-          <a:bodyPr/>
-          <a:lstStyle/>
-          <a:p>
-            <a:fld id="{D5BBAB31-6F33-7A48-86A7-4A89E89B3A36}" type="slidenum">
-              <a:rPr lang="en-US" smtClean="0"/>
-              <a:pPr/>
-              <a:t>12</a:t>
-            </a:fld>
-            <a:endParaRPr lang="en-US"/>
-          </a:p>
-        </p:txBody>
-      </p:sp>
-      <p:sp>
-        <p:nvSpPr>
-          <p:cNvPr id="4" name="Content Placeholder 3">
-            <a:extLst>
-              <a:ext uri="{FF2B5EF4-FFF2-40B4-BE49-F238E27FC236}">
-                <a16:creationId xmlns:a16="http://schemas.microsoft.com/office/drawing/2014/main" id="{DCF81636-5AD0-AC4E-8E44-AE69AC4242BE}"/>
-              </a:ext>
-            </a:extLst>
-          </p:cNvPr>
-          <p:cNvSpPr>
-            <a:spLocks noGrp="1"/>
-          </p:cNvSpPr>
-          <p:nvPr>
-            <p:ph idx="1"/>
-          </p:nvPr>
-        </p:nvSpPr>
-        <p:spPr/>
-        <p:txBody>
-          <a:bodyPr anchor="ctr"/>
-          <a:lstStyle/>
-          <a:p>
-            <a:r>
-              <a:rPr lang="en-US" dirty="0"/>
-              <a:t>Copy of proof / derivation (can be handwritten)</a:t>
-            </a:r>
-          </a:p>
-        </p:txBody>
-      </p:sp>
-    </p:spTree>
-    <p:extLst>
-      <p:ext uri="{BB962C8B-B14F-4D97-AF65-F5344CB8AC3E}">
-        <p14:creationId xmlns:p14="http://schemas.microsoft.com/office/powerpoint/2010/main" val="28350822"/>
-      </p:ext>
-    </p:extLst>
-  </p:cSld>
-  <p:clrMapOvr>
-    <a:masterClrMapping/>
-  </p:clrMapOvr>
-</p:sld>
-</file>
-
-<file path=ppt/slides/slide13.xml><?xml version="1.0" encoding="utf-8"?>
-<p:sld xmlns:a="http://schemas.openxmlformats.org/drawingml/2006/main" xmlns:r="http://schemas.openxmlformats.org/officeDocument/2006/relationships" xmlns:p="http://schemas.openxmlformats.org/presentationml/2006/main">
-  <p:cSld>
-    <p:spTree>
-      <p:nvGrpSpPr>
-        <p:cNvPr id="1" name=""/>
-        <p:cNvGrpSpPr/>
-        <p:nvPr/>
-      </p:nvGrpSpPr>
-      <p:grpSpPr>
-        <a:xfrm>
-          <a:off x="0" y="0"/>
-          <a:ext cx="0" cy="0"/>
-          <a:chOff x="0" y="0"/>
-          <a:chExt cx="0" cy="0"/>
-        </a:xfrm>
-      </p:grpSpPr>
-      <p:sp>
-        <p:nvSpPr>
-          <p:cNvPr id="2" name="Title 1">
-            <a:extLst>
-              <a:ext uri="{FF2B5EF4-FFF2-40B4-BE49-F238E27FC236}">
-                <a16:creationId xmlns:a16="http://schemas.microsoft.com/office/drawing/2014/main" id="{EBAB44A1-2E9A-7B4B-86A8-3DD3EB93F9AC}"/>
-              </a:ext>
-            </a:extLst>
-          </p:cNvPr>
-          <p:cNvSpPr>
-            <a:spLocks noGrp="1"/>
-          </p:cNvSpPr>
-          <p:nvPr>
-            <p:ph type="title"/>
-          </p:nvPr>
-        </p:nvSpPr>
-        <p:spPr/>
-        <p:txBody>
-          <a:bodyPr>
-            <a:normAutofit/>
-          </a:bodyPr>
-          <a:lstStyle/>
-          <a:p>
-            <a:r>
-              <a:rPr lang="en-US" dirty="0"/>
-              <a:t>Final Remarks</a:t>
-            </a:r>
-          </a:p>
-        </p:txBody>
-      </p:sp>
-      <p:sp>
-        <p:nvSpPr>
-          <p:cNvPr id="3" name="Slide Number Placeholder 2">
-            <a:extLst>
-              <a:ext uri="{FF2B5EF4-FFF2-40B4-BE49-F238E27FC236}">
-                <a16:creationId xmlns:a16="http://schemas.microsoft.com/office/drawing/2014/main" id="{72D5A779-2B4D-E946-B1CB-361027B8CF1E}"/>
-              </a:ext>
-            </a:extLst>
-          </p:cNvPr>
-          <p:cNvSpPr>
-            <a:spLocks noGrp="1"/>
-          </p:cNvSpPr>
-          <p:nvPr>
-            <p:ph type="sldNum" sz="quarter" idx="12"/>
-          </p:nvPr>
-        </p:nvSpPr>
-        <p:spPr/>
-        <p:txBody>
-          <a:bodyPr/>
-          <a:lstStyle/>
-          <a:p>
-            <a:fld id="{D5BBAB31-6F33-7A48-86A7-4A89E89B3A36}" type="slidenum">
-              <a:rPr lang="en-US" smtClean="0"/>
-              <a:pPr/>
-              <a:t>13</a:t>
-            </a:fld>
-            <a:endParaRPr lang="en-US"/>
-          </a:p>
-        </p:txBody>
-      </p:sp>
-      <p:sp>
-        <p:nvSpPr>
-          <p:cNvPr id="4" name="Content Placeholder 3">
-            <a:extLst>
-              <a:ext uri="{FF2B5EF4-FFF2-40B4-BE49-F238E27FC236}">
-                <a16:creationId xmlns:a16="http://schemas.microsoft.com/office/drawing/2014/main" id="{6865DA54-96CC-6E49-B3FA-954B8FB6D99E}"/>
-              </a:ext>
-            </a:extLst>
-          </p:cNvPr>
-          <p:cNvSpPr>
-            <a:spLocks noGrp="1"/>
-          </p:cNvSpPr>
-          <p:nvPr>
-            <p:ph idx="1"/>
-          </p:nvPr>
-        </p:nvSpPr>
-        <p:spPr/>
-        <p:txBody>
-          <a:bodyPr anchor="ctr"/>
-          <a:lstStyle/>
-          <a:p>
-            <a:pPr>
-              <a:lnSpc>
-                <a:spcPct val="100000"/>
-              </a:lnSpc>
-            </a:pPr>
-            <a:r>
-              <a:rPr lang="en-US" dirty="0"/>
-              <a:t>Ensure that talk does not exceed maximum of 15 min</a:t>
-            </a:r>
-          </a:p>
-          <a:p>
-            <a:pPr>
-              <a:lnSpc>
-                <a:spcPct val="100000"/>
-              </a:lnSpc>
-            </a:pPr>
-            <a:endParaRPr lang="en-US" dirty="0"/>
-          </a:p>
-          <a:p>
-            <a:pPr>
-              <a:lnSpc>
-                <a:spcPct val="100000"/>
-              </a:lnSpc>
-            </a:pPr>
-            <a:r>
-              <a:rPr lang="en-US" dirty="0"/>
-              <a:t>Don’t write complete sentences / paragraphs on your slides</a:t>
-            </a:r>
-          </a:p>
-          <a:p>
-            <a:pPr marL="0" indent="0">
-              <a:lnSpc>
-                <a:spcPct val="100000"/>
-              </a:lnSpc>
-              <a:buNone/>
-            </a:pPr>
-            <a:endParaRPr lang="en-US" dirty="0"/>
-          </a:p>
-          <a:p>
-            <a:pPr>
-              <a:lnSpc>
-                <a:spcPct val="100000"/>
-              </a:lnSpc>
-            </a:pPr>
-            <a:r>
-              <a:rPr lang="en-US" dirty="0"/>
-              <a:t>Use keywords and phrases</a:t>
-            </a:r>
-          </a:p>
-          <a:p>
-            <a:pPr>
-              <a:lnSpc>
-                <a:spcPct val="100000"/>
-              </a:lnSpc>
-            </a:pPr>
-            <a:endParaRPr lang="en-US" dirty="0"/>
-          </a:p>
-          <a:p>
-            <a:pPr>
-              <a:lnSpc>
-                <a:spcPct val="100000"/>
-              </a:lnSpc>
-            </a:pPr>
-            <a:r>
-              <a:rPr lang="en-US" dirty="0"/>
-              <a:t>Don’t overload slides, keep slides simple and readable</a:t>
-            </a:r>
-          </a:p>
-          <a:p>
-            <a:pPr>
-              <a:lnSpc>
-                <a:spcPct val="100000"/>
-              </a:lnSpc>
-            </a:pPr>
-            <a:endParaRPr lang="en-US" dirty="0"/>
-          </a:p>
-          <a:p>
-            <a:pPr>
-              <a:lnSpc>
-                <a:spcPct val="100000"/>
-              </a:lnSpc>
-            </a:pPr>
-            <a:r>
-              <a:rPr lang="en-US" dirty="0"/>
-              <a:t>Take care that figures / tables / artworks are readable</a:t>
-            </a:r>
-          </a:p>
-        </p:txBody>
-      </p:sp>
-    </p:spTree>
-    <p:extLst>
-      <p:ext uri="{BB962C8B-B14F-4D97-AF65-F5344CB8AC3E}">
-        <p14:creationId xmlns:p14="http://schemas.microsoft.com/office/powerpoint/2010/main" val="3376147081"/>
       </p:ext>
     </p:extLst>
   </p:cSld>
@@ -3857,7 +3584,7 @@
             </p:nvSpPr>
             <p:spPr>
               <a:xfrm>
-                <a:off x="364273" y="774294"/>
+                <a:off x="364273" y="933117"/>
                 <a:ext cx="10972800" cy="5309412"/>
               </a:xfrm>
             </p:spPr>
@@ -3872,7 +3599,7 @@
                 </a:pPr>
                 <a:r>
                   <a:rPr lang="en-US" dirty="0"/>
-                  <a:t>Given: </a:t>
+                  <a:t>Formula: </a:t>
                 </a:r>
               </a:p>
               <a:p>
@@ -3886,99 +3613,206 @@
                 <a14:m>
                   <m:oMath xmlns:m="http://schemas.openxmlformats.org/officeDocument/2006/math">
                     <m:r>
-                      <a:rPr lang="en-US" b="0" i="1" smtClean="0">
+                      <a:rPr lang="en-US" sz="2000" b="0" i="1" smtClean="0">
                         <a:latin typeface="Cambria Math" panose="02040503050406030204" pitchFamily="18" charset="0"/>
                       </a:rPr>
-                      <m:t>𝑝</m:t>
+                      <m:t>𝑃𝑜𝑠𝑡𝑒𝑟𝑖𝑜𝑟</m:t>
                     </m:r>
-                    <m:d>
-                      <m:dPr>
-                        <m:ctrlPr>
-                          <a:rPr lang="en-US" b="0" i="1" smtClean="0">
-                            <a:latin typeface="Cambria Math" panose="02040503050406030204" pitchFamily="18" charset="0"/>
-                          </a:rPr>
-                        </m:ctrlPr>
-                      </m:dPr>
-                      <m:e>
-                        <m:r>
-                          <a:rPr lang="en-US" b="0" i="1" smtClean="0">
-                            <a:latin typeface="Cambria Math" panose="02040503050406030204" pitchFamily="18" charset="0"/>
-                          </a:rPr>
-                          <m:t>𝑥</m:t>
-                        </m:r>
-                      </m:e>
-                      <m:e>
-                        <m:r>
-                          <a:rPr lang="en-US" b="0" i="1" smtClean="0">
-                            <a:latin typeface="Cambria Math" panose="02040503050406030204" pitchFamily="18" charset="0"/>
-                          </a:rPr>
-                          <m:t>𝑦</m:t>
-                        </m:r>
-                        <m:r>
-                          <a:rPr lang="en-US" b="0" i="1" smtClean="0">
-                            <a:latin typeface="Cambria Math" panose="02040503050406030204" pitchFamily="18" charset="0"/>
-                          </a:rPr>
-                          <m:t>=</m:t>
-                        </m:r>
-                        <m:r>
-                          <a:rPr lang="en-US" b="0" i="1" smtClean="0">
-                            <a:latin typeface="Cambria Math" panose="02040503050406030204" pitchFamily="18" charset="0"/>
-                          </a:rPr>
-                          <m:t>𝑓</m:t>
-                        </m:r>
-                      </m:e>
-                    </m:d>
                     <m:r>
-                      <a:rPr lang="en-US" b="0" i="1" smtClean="0">
+                      <a:rPr lang="en-US" sz="2000" b="0" i="1" smtClean="0">
                         <a:latin typeface="Cambria Math" panose="02040503050406030204" pitchFamily="18" charset="0"/>
                       </a:rPr>
-                      <m:t> ~ </m:t>
+                      <m:t>= </m:t>
+                    </m:r>
+                    <m:f>
+                      <m:fPr>
+                        <m:ctrlPr>
+                          <a:rPr lang="en-US" sz="2000" b="0" i="1" smtClean="0">
+                            <a:latin typeface="Cambria Math" panose="02040503050406030204" pitchFamily="18" charset="0"/>
+                          </a:rPr>
+                        </m:ctrlPr>
+                      </m:fPr>
+                      <m:num>
+                        <m:r>
+                          <a:rPr lang="en-US" sz="2000" b="0" i="1" smtClean="0">
+                            <a:latin typeface="Cambria Math" panose="02040503050406030204" pitchFamily="18" charset="0"/>
+                          </a:rPr>
+                          <m:t>𝐿𝑖𝑘𝑒𝑙𝑖h𝑜𝑜𝑑</m:t>
+                        </m:r>
+                        <m:r>
+                          <a:rPr lang="en-US" sz="2000" b="0" i="1" smtClean="0">
+                            <a:latin typeface="Cambria Math" panose="02040503050406030204" pitchFamily="18" charset="0"/>
+                          </a:rPr>
+                          <m:t> ∗ </m:t>
+                        </m:r>
+                        <m:r>
+                          <a:rPr lang="en-US" sz="2000" b="0" i="1" smtClean="0">
+                            <a:latin typeface="Cambria Math" panose="02040503050406030204" pitchFamily="18" charset="0"/>
+                          </a:rPr>
+                          <m:t>𝑃𝑟𝑖𝑜𝑟</m:t>
+                        </m:r>
+                      </m:num>
+                      <m:den>
+                        <m:r>
+                          <a:rPr lang="en-US" sz="2000" b="0" i="1" smtClean="0">
+                            <a:latin typeface="Cambria Math" panose="02040503050406030204" pitchFamily="18" charset="0"/>
+                          </a:rPr>
+                          <m:t>𝐸𝑣𝑖𝑑𝑒𝑛𝑐𝑒</m:t>
+                        </m:r>
+                      </m:den>
+                    </m:f>
+                    <m:r>
+                      <a:rPr lang="en-US" sz="2000" b="0" i="1" smtClean="0">
+                        <a:latin typeface="Cambria Math" panose="02040503050406030204" pitchFamily="18" charset="0"/>
+                      </a:rPr>
+                      <m:t>= </m:t>
+                    </m:r>
+                    <m:f>
+                      <m:fPr>
+                        <m:ctrlPr>
+                          <a:rPr lang="en-US" sz="2000" b="0" i="1" smtClean="0">
+                            <a:latin typeface="Cambria Math" panose="02040503050406030204" pitchFamily="18" charset="0"/>
+                          </a:rPr>
+                        </m:ctrlPr>
+                      </m:fPr>
+                      <m:num>
+                        <m:r>
+                          <a:rPr lang="en-US" sz="2000" b="0" i="1" smtClean="0">
+                            <a:latin typeface="Cambria Math" panose="02040503050406030204" pitchFamily="18" charset="0"/>
+                          </a:rPr>
+                          <m:t>𝑃</m:t>
+                        </m:r>
+                        <m:d>
+                          <m:dPr>
+                            <m:ctrlPr>
+                              <a:rPr lang="en-US" sz="2000" b="0" i="1" smtClean="0">
+                                <a:latin typeface="Cambria Math" panose="02040503050406030204" pitchFamily="18" charset="0"/>
+                              </a:rPr>
+                            </m:ctrlPr>
+                          </m:dPr>
+                          <m:e>
+                            <m:r>
+                              <a:rPr lang="en-US" sz="2000" b="0" i="1" smtClean="0">
+                                <a:latin typeface="Cambria Math" panose="02040503050406030204" pitchFamily="18" charset="0"/>
+                              </a:rPr>
+                              <m:t>𝑥</m:t>
+                            </m:r>
+                          </m:e>
+                          <m:e>
+                            <m:r>
+                              <a:rPr lang="en-US" sz="2000" b="0" i="1" smtClean="0">
+                                <a:latin typeface="Cambria Math" panose="02040503050406030204" pitchFamily="18" charset="0"/>
+                              </a:rPr>
+                              <m:t>𝑦</m:t>
+                            </m:r>
+                          </m:e>
+                        </m:d>
+                        <m:r>
+                          <a:rPr lang="en-US" sz="2000" b="0" i="1" smtClean="0">
+                            <a:latin typeface="Cambria Math" panose="02040503050406030204" pitchFamily="18" charset="0"/>
+                          </a:rPr>
+                          <m:t> ∗ </m:t>
+                        </m:r>
+                        <m:r>
+                          <a:rPr lang="en-US" sz="2000" b="0" i="1" smtClean="0">
+                            <a:latin typeface="Cambria Math" panose="02040503050406030204" pitchFamily="18" charset="0"/>
+                          </a:rPr>
+                          <m:t>𝑃</m:t>
+                        </m:r>
+                        <m:r>
+                          <a:rPr lang="en-US" sz="2000" b="0" i="1" smtClean="0">
+                            <a:latin typeface="Cambria Math" panose="02040503050406030204" pitchFamily="18" charset="0"/>
+                          </a:rPr>
+                          <m:t>(</m:t>
+                        </m:r>
+                        <m:r>
+                          <a:rPr lang="en-US" sz="2000" b="0" i="1" smtClean="0">
+                            <a:latin typeface="Cambria Math" panose="02040503050406030204" pitchFamily="18" charset="0"/>
+                          </a:rPr>
+                          <m:t>𝑦</m:t>
+                        </m:r>
+                        <m:r>
+                          <a:rPr lang="en-US" sz="2000" b="0" i="1" smtClean="0">
+                            <a:latin typeface="Cambria Math" panose="02040503050406030204" pitchFamily="18" charset="0"/>
+                          </a:rPr>
+                          <m:t>)</m:t>
+                        </m:r>
+                      </m:num>
+                      <m:den>
+                        <m:r>
+                          <a:rPr lang="en-US" sz="2000" b="0" i="1" smtClean="0">
+                            <a:latin typeface="Cambria Math" panose="02040503050406030204" pitchFamily="18" charset="0"/>
+                          </a:rPr>
+                          <m:t>𝑃</m:t>
+                        </m:r>
+                        <m:r>
+                          <a:rPr lang="en-US" sz="2000" b="0" i="1" smtClean="0">
+                            <a:latin typeface="Cambria Math" panose="02040503050406030204" pitchFamily="18" charset="0"/>
+                          </a:rPr>
+                          <m:t>(</m:t>
+                        </m:r>
+                        <m:r>
+                          <a:rPr lang="en-US" sz="2000" b="0" i="1" smtClean="0">
+                            <a:latin typeface="Cambria Math" panose="02040503050406030204" pitchFamily="18" charset="0"/>
+                          </a:rPr>
+                          <m:t>𝑥</m:t>
+                        </m:r>
+                        <m:r>
+                          <a:rPr lang="en-US" sz="2000" b="0" i="1" smtClean="0">
+                            <a:latin typeface="Cambria Math" panose="02040503050406030204" pitchFamily="18" charset="0"/>
+                          </a:rPr>
+                          <m:t>)</m:t>
+                        </m:r>
+                      </m:den>
+                    </m:f>
+                    <m:r>
+                      <a:rPr lang="en-US" sz="2000" b="0" i="1" smtClean="0">
+                        <a:latin typeface="Cambria Math" panose="02040503050406030204" pitchFamily="18" charset="0"/>
+                      </a:rPr>
+                      <m:t>=</m:t>
                     </m:r>
                     <m:r>
-                      <a:rPr lang="en-US" b="0" i="1" smtClean="0">
+                      <a:rPr lang="en-US" sz="2000" b="0" i="1" smtClean="0">
                         <a:latin typeface="Cambria Math" panose="02040503050406030204" pitchFamily="18" charset="0"/>
-                        <a:ea typeface="Cambria Math" panose="02040503050406030204" pitchFamily="18" charset="0"/>
                       </a:rPr>
-                      <m:t>𝒩</m:t>
+                      <m:t>𝑃</m:t>
                     </m:r>
                     <m:r>
-                      <a:rPr lang="en-US" b="0" i="1" smtClean="0">
+                      <a:rPr lang="en-US" sz="2000" b="0" i="1" smtClean="0">
                         <a:latin typeface="Cambria Math" panose="02040503050406030204" pitchFamily="18" charset="0"/>
-                        <a:ea typeface="Cambria Math" panose="02040503050406030204" pitchFamily="18" charset="0"/>
                       </a:rPr>
                       <m:t>(</m:t>
                     </m:r>
                     <m:r>
-                      <a:rPr lang="en-US" b="0" i="1" smtClean="0">
+                      <a:rPr lang="en-US" sz="2000" b="0" i="1" smtClean="0">
                         <a:latin typeface="Cambria Math" panose="02040503050406030204" pitchFamily="18" charset="0"/>
-                        <a:ea typeface="Cambria Math" panose="02040503050406030204" pitchFamily="18" charset="0"/>
                       </a:rPr>
-                      <m:t>𝜇</m:t>
+                      <m:t>𝑦</m:t>
                     </m:r>
                     <m:r>
-                      <a:rPr lang="en-US" b="0" i="1" smtClean="0">
+                      <a:rPr lang="en-US" sz="2000" b="0" i="1" smtClean="0">
                         <a:latin typeface="Cambria Math" panose="02040503050406030204" pitchFamily="18" charset="0"/>
-                        <a:ea typeface="Cambria Math" panose="02040503050406030204" pitchFamily="18" charset="0"/>
                       </a:rPr>
-                      <m:t>=165,  </m:t>
+                      <m:t>|</m:t>
                     </m:r>
                     <m:r>
-                      <a:rPr lang="en-US" b="0" i="1" smtClean="0">
+                      <a:rPr lang="en-US" sz="2000" b="0" i="1" smtClean="0">
                         <a:latin typeface="Cambria Math" panose="02040503050406030204" pitchFamily="18" charset="0"/>
-                        <a:ea typeface="Cambria Math" panose="02040503050406030204" pitchFamily="18" charset="0"/>
                       </a:rPr>
-                      <m:t>𝜎</m:t>
+                      <m:t>𝑥</m:t>
                     </m:r>
                     <m:r>
-                      <a:rPr lang="en-US" b="0" i="1" smtClean="0">
+                      <a:rPr lang="en-US" sz="2000" b="0" i="1" smtClean="0">
                         <a:latin typeface="Cambria Math" panose="02040503050406030204" pitchFamily="18" charset="0"/>
-                        <a:ea typeface="Cambria Math" panose="02040503050406030204" pitchFamily="18" charset="0"/>
                       </a:rPr>
-                      <m:t>=9)</m:t>
+                      <m:t>)</m:t>
                     </m:r>
                   </m:oMath>
                 </a14:m>
-                <a:endParaRPr lang="en-US" dirty="0"/>
+                <a:r>
+                  <a:rPr lang="en-US" dirty="0"/>
+                  <a:t> </a:t>
+                </a:r>
               </a:p>
               <a:p>
                 <a:pPr marL="500063" indent="-231775">
@@ -3991,105 +3825,159 @@
                 <a14:m>
                   <m:oMath xmlns:m="http://schemas.openxmlformats.org/officeDocument/2006/math">
                     <m:r>
-                      <a:rPr lang="en-US" i="1">
+                      <a:rPr lang="en-US" sz="2000" b="0" i="1" smtClean="0">
                         <a:latin typeface="Cambria Math" panose="02040503050406030204" pitchFamily="18" charset="0"/>
                       </a:rPr>
-                      <m:t>𝑝</m:t>
+                      <m:t>𝐶𝑜𝑛𝑑𝑖𝑡𝑖𝑜𝑛𝑎𝑙</m:t>
                     </m:r>
-                    <m:d>
-                      <m:dPr>
-                        <m:ctrlPr>
-                          <a:rPr lang="en-US" i="1">
-                            <a:latin typeface="Cambria Math" panose="02040503050406030204" pitchFamily="18" charset="0"/>
-                          </a:rPr>
-                        </m:ctrlPr>
-                      </m:dPr>
-                      <m:e>
-                        <m:r>
-                          <a:rPr lang="en-US" i="1">
-                            <a:latin typeface="Cambria Math" panose="02040503050406030204" pitchFamily="18" charset="0"/>
-                          </a:rPr>
-                          <m:t>𝑥</m:t>
-                        </m:r>
-                      </m:e>
-                      <m:e>
-                        <m:r>
-                          <a:rPr lang="en-US" i="1">
-                            <a:latin typeface="Cambria Math" panose="02040503050406030204" pitchFamily="18" charset="0"/>
-                          </a:rPr>
-                          <m:t>𝑦</m:t>
-                        </m:r>
-                        <m:r>
-                          <a:rPr lang="en-US" i="1">
-                            <a:latin typeface="Cambria Math" panose="02040503050406030204" pitchFamily="18" charset="0"/>
-                          </a:rPr>
-                          <m:t>=</m:t>
-                        </m:r>
-                        <m:r>
-                          <a:rPr lang="en-US" b="0" i="1" smtClean="0">
-                            <a:latin typeface="Cambria Math" panose="02040503050406030204" pitchFamily="18" charset="0"/>
-                          </a:rPr>
-                          <m:t>𝑚</m:t>
-                        </m:r>
-                      </m:e>
-                    </m:d>
                     <m:r>
-                      <a:rPr lang="en-US" i="1">
+                      <a:rPr lang="en-US" sz="2000" b="0" i="1" smtClean="0">
                         <a:latin typeface="Cambria Math" panose="02040503050406030204" pitchFamily="18" charset="0"/>
                       </a:rPr>
-                      <m:t> ~ </m:t>
+                      <m:t> </m:t>
                     </m:r>
                     <m:r>
-                      <a:rPr lang="en-US" i="1">
+                      <a:rPr lang="en-US" sz="2000" b="0" i="1" smtClean="0">
                         <a:latin typeface="Cambria Math" panose="02040503050406030204" pitchFamily="18" charset="0"/>
-                        <a:ea typeface="Cambria Math" panose="02040503050406030204" pitchFamily="18" charset="0"/>
                       </a:rPr>
-                      <m:t>𝒩</m:t>
+                      <m:t>𝐸𝑟𝑟𝑜𝑟</m:t>
                     </m:r>
                     <m:r>
-                      <a:rPr lang="en-US" i="1">
+                      <a:rPr lang="en-US" sz="2000" b="0" i="1" smtClean="0">
                         <a:latin typeface="Cambria Math" panose="02040503050406030204" pitchFamily="18" charset="0"/>
-                        <a:ea typeface="Cambria Math" panose="02040503050406030204" pitchFamily="18" charset="0"/>
                       </a:rPr>
-                      <m:t>(</m:t>
+                      <m:t>= </m:t>
                     </m:r>
-                    <m:r>
-                      <a:rPr lang="en-US" i="1">
-                        <a:latin typeface="Cambria Math" panose="02040503050406030204" pitchFamily="18" charset="0"/>
-                        <a:ea typeface="Cambria Math" panose="02040503050406030204" pitchFamily="18" charset="0"/>
-                      </a:rPr>
-                      <m:t>𝜇</m:t>
-                    </m:r>
-                    <m:r>
-                      <a:rPr lang="en-US" i="1">
-                        <a:latin typeface="Cambria Math" panose="02040503050406030204" pitchFamily="18" charset="0"/>
-                        <a:ea typeface="Cambria Math" panose="02040503050406030204" pitchFamily="18" charset="0"/>
-                      </a:rPr>
-                      <m:t>=180,  </m:t>
-                    </m:r>
-                    <m:r>
-                      <a:rPr lang="en-US" i="1">
-                        <a:latin typeface="Cambria Math" panose="02040503050406030204" pitchFamily="18" charset="0"/>
-                        <a:ea typeface="Cambria Math" panose="02040503050406030204" pitchFamily="18" charset="0"/>
-                      </a:rPr>
-                      <m:t>𝜎</m:t>
-                    </m:r>
-                    <m:r>
-                      <a:rPr lang="en-US" i="1">
-                        <a:latin typeface="Cambria Math" panose="02040503050406030204" pitchFamily="18" charset="0"/>
-                        <a:ea typeface="Cambria Math" panose="02040503050406030204" pitchFamily="18" charset="0"/>
-                      </a:rPr>
-                      <m:t>=9)</m:t>
-                    </m:r>
+                    <m:nary>
+                      <m:naryPr>
+                        <m:chr m:val="∑"/>
+                        <m:supHide m:val="on"/>
+                        <m:ctrlPr>
+                          <a:rPr lang="en-US" sz="2000" b="0" i="1" smtClean="0">
+                            <a:latin typeface="Cambria Math" panose="02040503050406030204" pitchFamily="18" charset="0"/>
+                          </a:rPr>
+                        </m:ctrlPr>
+                      </m:naryPr>
+                      <m:sub>
+                        <m:r>
+                          <m:rPr>
+                            <m:brk m:alnAt="7"/>
+                          </m:rPr>
+                          <a:rPr lang="en-US" sz="2000" b="0" i="1" smtClean="0">
+                            <a:latin typeface="Cambria Math" panose="02040503050406030204" pitchFamily="18" charset="0"/>
+                          </a:rPr>
+                          <m:t>𝑦</m:t>
+                        </m:r>
+                      </m:sub>
+                      <m:sup/>
+                      <m:e>
+                        <m:r>
+                          <a:rPr lang="en-US" sz="2000" b="0" i="1" smtClean="0">
+                            <a:latin typeface="Cambria Math" panose="02040503050406030204" pitchFamily="18" charset="0"/>
+                            <a:ea typeface="Cambria Math" panose="02040503050406030204" pitchFamily="18" charset="0"/>
+                          </a:rPr>
+                          <m:t>ℓ</m:t>
+                        </m:r>
+                        <m:d>
+                          <m:dPr>
+                            <m:ctrlPr>
+                              <a:rPr lang="en-US" sz="2000" b="0" i="1" smtClean="0">
+                                <a:latin typeface="Cambria Math" panose="02040503050406030204" pitchFamily="18" charset="0"/>
+                                <a:ea typeface="Cambria Math" panose="02040503050406030204" pitchFamily="18" charset="0"/>
+                              </a:rPr>
+                            </m:ctrlPr>
+                          </m:dPr>
+                          <m:e>
+                            <m:r>
+                              <a:rPr lang="en-US" sz="2000" b="0" i="1" smtClean="0">
+                                <a:latin typeface="Cambria Math" panose="02040503050406030204" pitchFamily="18" charset="0"/>
+                                <a:ea typeface="Cambria Math" panose="02040503050406030204" pitchFamily="18" charset="0"/>
+                              </a:rPr>
+                              <m:t>𝑦</m:t>
+                            </m:r>
+                            <m:r>
+                              <a:rPr lang="en-US" sz="2000" b="0" i="1" smtClean="0">
+                                <a:latin typeface="Cambria Math" panose="02040503050406030204" pitchFamily="18" charset="0"/>
+                                <a:ea typeface="Cambria Math" panose="02040503050406030204" pitchFamily="18" charset="0"/>
+                              </a:rPr>
+                              <m:t>,</m:t>
+                            </m:r>
+                            <m:acc>
+                              <m:accPr>
+                                <m:chr m:val="̂"/>
+                                <m:ctrlPr>
+                                  <a:rPr lang="en-US" sz="2000" b="0" i="1" smtClean="0">
+                                    <a:latin typeface="Cambria Math" panose="02040503050406030204" pitchFamily="18" charset="0"/>
+                                    <a:ea typeface="Cambria Math" panose="02040503050406030204" pitchFamily="18" charset="0"/>
+                                  </a:rPr>
+                                </m:ctrlPr>
+                              </m:accPr>
+                              <m:e>
+                                <m:r>
+                                  <a:rPr lang="en-US" sz="2000" b="0" i="1" smtClean="0">
+                                    <a:latin typeface="Cambria Math" panose="02040503050406030204" pitchFamily="18" charset="0"/>
+                                    <a:ea typeface="Cambria Math" panose="02040503050406030204" pitchFamily="18" charset="0"/>
+                                  </a:rPr>
+                                  <m:t>𝑦</m:t>
+                                </m:r>
+                              </m:e>
+                            </m:acc>
+                          </m:e>
+                        </m:d>
+                        <m:r>
+                          <a:rPr lang="en-US" sz="2000" b="0" i="1" smtClean="0">
+                            <a:latin typeface="Cambria Math" panose="02040503050406030204" pitchFamily="18" charset="0"/>
+                          </a:rPr>
+                          <m:t>∗</m:t>
+                        </m:r>
+                        <m:r>
+                          <a:rPr lang="en-US" sz="2000" b="0" i="1" smtClean="0">
+                            <a:latin typeface="Cambria Math" panose="02040503050406030204" pitchFamily="18" charset="0"/>
+                          </a:rPr>
+                          <m:t>𝑃</m:t>
+                        </m:r>
+                        <m:r>
+                          <a:rPr lang="en-US" sz="2000" b="0" i="1" smtClean="0">
+                            <a:latin typeface="Cambria Math" panose="02040503050406030204" pitchFamily="18" charset="0"/>
+                          </a:rPr>
+                          <m:t>(</m:t>
+                        </m:r>
+                        <m:r>
+                          <a:rPr lang="en-US" sz="2000" b="0" i="1" smtClean="0">
+                            <a:latin typeface="Cambria Math" panose="02040503050406030204" pitchFamily="18" charset="0"/>
+                          </a:rPr>
+                          <m:t>𝑦</m:t>
+                        </m:r>
+                        <m:r>
+                          <a:rPr lang="en-US" sz="2000" b="0" i="1" smtClean="0">
+                            <a:latin typeface="Cambria Math" panose="02040503050406030204" pitchFamily="18" charset="0"/>
+                          </a:rPr>
+                          <m:t>|</m:t>
+                        </m:r>
+                        <m:r>
+                          <a:rPr lang="en-US" sz="2000" b="0" i="1" smtClean="0">
+                            <a:latin typeface="Cambria Math" panose="02040503050406030204" pitchFamily="18" charset="0"/>
+                          </a:rPr>
+                          <m:t>𝑥</m:t>
+                        </m:r>
+                        <m:r>
+                          <a:rPr lang="en-US" sz="2000" b="0" i="1" smtClean="0">
+                            <a:latin typeface="Cambria Math" panose="02040503050406030204" pitchFamily="18" charset="0"/>
+                          </a:rPr>
+                          <m:t>)</m:t>
+                        </m:r>
+                      </m:e>
+                    </m:nary>
                   </m:oMath>
                 </a14:m>
-                <a:endParaRPr lang="en-US" dirty="0"/>
+                <a:endParaRPr lang="en-US" sz="2000" dirty="0"/>
               </a:p>
               <a:p>
-                <a:pPr>
+                <a:pPr marL="268288" indent="0">
                   <a:lnSpc>
                     <a:spcPct val="100000"/>
                   </a:lnSpc>
+                  <a:buNone/>
                 </a:pPr>
                 <a:endParaRPr lang="en-US" dirty="0"/>
               </a:p>
@@ -4101,14 +3989,45 @@
                 </a:pPr>
                 <a:r>
                   <a:rPr lang="en-US" dirty="0"/>
-                  <a:t>Why is a solution interesting / important / relevant?</a:t>
+                  <a:t>Problem:</a:t>
                 </a:r>
               </a:p>
               <a:p>
-                <a:pPr>
+                <a:pPr marL="533400" indent="-266700">
                   <a:lnSpc>
                     <a:spcPct val="100000"/>
                   </a:lnSpc>
+                  <a:buFont typeface="Arial" panose="020B0604020202020204" pitchFamily="34" charset="0"/>
+                  <a:buChar char="•"/>
+                </a:pPr>
+                <a:r>
+                  <a:rPr lang="en-DE" dirty="0"/>
+                  <a:t>How </a:t>
+                </a:r>
+                <a:r>
+                  <a:rPr lang="en-US" dirty="0"/>
+                  <a:t>the posteriors and the decision boundary depend on the priors for a fixed 0-1 loss?</a:t>
+                </a:r>
+              </a:p>
+              <a:p>
+                <a:pPr marL="533400" indent="-266700">
+                  <a:lnSpc>
+                    <a:spcPct val="100000"/>
+                  </a:lnSpc>
+                  <a:buFont typeface="Arial" panose="020B0604020202020204" pitchFamily="34" charset="0"/>
+                  <a:buChar char="•"/>
+                </a:pPr>
+                <a:r>
+                  <a:rPr lang="en-US" dirty="0"/>
+                  <a:t>How the class conditional errors and the decision boundary depend on the loss for fixed priors? </a:t>
+                </a:r>
+              </a:p>
+              <a:p>
+                <a:pPr marL="0" indent="0">
+                  <a:lnSpc>
+                    <a:spcPct val="100000"/>
+                  </a:lnSpc>
+                  <a:buNone/>
                 </a:pPr>
                 <a:endParaRPr lang="en-US" dirty="0"/>
               </a:p>
@@ -4120,7 +4039,20 @@
                 </a:pPr>
                 <a:r>
                   <a:rPr lang="en-US" dirty="0"/>
-                  <a:t>What is your solution ?</a:t>
+                  <a:t>Solution:</a:t>
+                </a:r>
+              </a:p>
+              <a:p>
+                <a:pPr marL="488950" indent="-222250">
+                  <a:lnSpc>
+                    <a:spcPct val="100000"/>
+                  </a:lnSpc>
+                  <a:buFont typeface="Arial" panose="020B0604020202020204" pitchFamily="34" charset="0"/>
+                  <a:buChar char="•"/>
+                </a:pPr>
+                <a:r>
+                  <a:rPr lang="en-US" dirty="0"/>
+                  <a:t>Change the priors and the loss, then see the result</a:t>
                 </a:r>
               </a:p>
               <a:p>
@@ -4161,7 +4093,7 @@
             </p:nvSpPr>
             <p:spPr>
               <a:xfrm>
-                <a:off x="364273" y="774294"/>
+                <a:off x="364273" y="933117"/>
                 <a:ext cx="10972800" cy="5309412"/>
               </a:xfrm>
               <a:blipFill>
@@ -5630,7 +5562,7 @@
                 </a:pPr>
                 <a:r>
                   <a:rPr lang="en-DE" dirty="0"/>
-                  <a:t>Male Region </a:t>
+                  <a:t>Male region </a:t>
                 </a:r>
                 <a14:m>
                   <m:oMath xmlns:m="http://schemas.openxmlformats.org/officeDocument/2006/math">
@@ -5904,11 +5836,11 @@
                               <m:t>=</m:t>
                             </m:r>
                             <m:r>
-                              <a:rPr lang="en-US" i="1">
+                              <a:rPr lang="en-US" b="0" i="1" smtClean="0">
                                 <a:latin typeface="Cambria Math" panose="02040503050406030204" pitchFamily="18" charset="0"/>
                                 <a:ea typeface="Cambria Math" panose="02040503050406030204" pitchFamily="18" charset="0"/>
                               </a:rPr>
-                              <m:t>𝑚</m:t>
+                              <m:t>𝑓</m:t>
                             </m:r>
                           </m:e>
                           <m:e>
@@ -5917,7 +5849,7 @@
                                 <a:latin typeface="Cambria Math" panose="02040503050406030204" pitchFamily="18" charset="0"/>
                                 <a:ea typeface="Cambria Math" panose="02040503050406030204" pitchFamily="18" charset="0"/>
                               </a:rPr>
-                              <m:t>𝑓</m:t>
+                              <m:t>𝑥</m:t>
                             </m:r>
                           </m:e>
                         </m:d>
@@ -6513,10 +6445,12 @@
                             <a:latin typeface="Cambria Math" panose="02040503050406030204" pitchFamily="18" charset="0"/>
                             <a:ea typeface="Cambria Math" panose="02040503050406030204" pitchFamily="18" charset="0"/>
                           </a:rPr>
-                          <m:t>𝑃</m:t>
+                          <m:t>ℒ</m:t>
                         </m:r>
                         <m:d>
                           <m:dPr>
+                            <m:begChr m:val="["/>
+                            <m:endChr m:val="]"/>
                             <m:ctrlPr>
                               <a:rPr lang="en-US" b="0" i="1" smtClean="0">
                                 <a:latin typeface="Cambria Math" panose="02040503050406030204" pitchFamily="18" charset="0"/>
@@ -6525,76 +6459,6 @@
                             </m:ctrlPr>
                           </m:dPr>
                           <m:e>
-                            <m:r>
-                              <a:rPr lang="en-US" b="0" i="1" smtClean="0">
-                                <a:latin typeface="Cambria Math" panose="02040503050406030204" pitchFamily="18" charset="0"/>
-                                <a:ea typeface="Cambria Math" panose="02040503050406030204" pitchFamily="18" charset="0"/>
-                              </a:rPr>
-                              <m:t>𝑦</m:t>
-                            </m:r>
-                            <m:r>
-                              <a:rPr lang="en-US" b="0" i="1" smtClean="0">
-                                <a:latin typeface="Cambria Math" panose="02040503050406030204" pitchFamily="18" charset="0"/>
-                                <a:ea typeface="Cambria Math" panose="02040503050406030204" pitchFamily="18" charset="0"/>
-                              </a:rPr>
-                              <m:t>=</m:t>
-                            </m:r>
-                            <m:r>
-                              <a:rPr lang="en-US" b="0" i="1" smtClean="0">
-                                <a:latin typeface="Cambria Math" panose="02040503050406030204" pitchFamily="18" charset="0"/>
-                                <a:ea typeface="Cambria Math" panose="02040503050406030204" pitchFamily="18" charset="0"/>
-                              </a:rPr>
-                              <m:t>𝑓</m:t>
-                            </m:r>
-                          </m:e>
-                          <m:e>
-                            <m:r>
-                              <a:rPr lang="en-US" b="0" i="1" smtClean="0">
-                                <a:latin typeface="Cambria Math" panose="02040503050406030204" pitchFamily="18" charset="0"/>
-                                <a:ea typeface="Cambria Math" panose="02040503050406030204" pitchFamily="18" charset="0"/>
-                              </a:rPr>
-                              <m:t>𝑥</m:t>
-                            </m:r>
-                          </m:e>
-                        </m:d>
-                        <m:r>
-                          <a:rPr lang="en-US" b="0" i="1" smtClean="0">
-                            <a:latin typeface="Cambria Math" panose="02040503050406030204" pitchFamily="18" charset="0"/>
-                            <a:ea typeface="Cambria Math" panose="02040503050406030204" pitchFamily="18" charset="0"/>
-                          </a:rPr>
-                          <m:t>≥</m:t>
-                        </m:r>
-                        <m:r>
-                          <a:rPr lang="en-US" b="0" i="1" smtClean="0">
-                            <a:latin typeface="Cambria Math" panose="02040503050406030204" pitchFamily="18" charset="0"/>
-                            <a:ea typeface="Cambria Math" panose="02040503050406030204" pitchFamily="18" charset="0"/>
-                          </a:rPr>
-                          <m:t>𝑃</m:t>
-                        </m:r>
-                        <m:d>
-                          <m:dPr>
-                            <m:ctrlPr>
-                              <a:rPr lang="en-US" b="0" i="1" smtClean="0">
-                                <a:latin typeface="Cambria Math" panose="02040503050406030204" pitchFamily="18" charset="0"/>
-                                <a:ea typeface="Cambria Math" panose="02040503050406030204" pitchFamily="18" charset="0"/>
-                              </a:rPr>
-                            </m:ctrlPr>
-                          </m:dPr>
-                          <m:e>
-                            <m:r>
-                              <a:rPr lang="en-US" b="0" i="1" smtClean="0">
-                                <a:latin typeface="Cambria Math" panose="02040503050406030204" pitchFamily="18" charset="0"/>
-                                <a:ea typeface="Cambria Math" panose="02040503050406030204" pitchFamily="18" charset="0"/>
-                              </a:rPr>
-                              <m:t>𝑦</m:t>
-                            </m:r>
-                            <m:r>
-                              <a:rPr lang="en-US" b="0" i="1" smtClean="0">
-                                <a:latin typeface="Cambria Math" panose="02040503050406030204" pitchFamily="18" charset="0"/>
-                                <a:ea typeface="Cambria Math" panose="02040503050406030204" pitchFamily="18" charset="0"/>
-                              </a:rPr>
-                              <m:t>=</m:t>
-                            </m:r>
                             <m:r>
                               <a:rPr lang="en-US" b="0" i="1" smtClean="0">
                                 <a:latin typeface="Cambria Math" panose="02040503050406030204" pitchFamily="18" charset="0"/>
@@ -6613,6 +6477,55 @@
                             </m:r>
                           </m:e>
                         </m:d>
+                        <m:r>
+                          <a:rPr lang="en-US" b="0" i="1" smtClean="0">
+                            <a:latin typeface="Cambria Math" panose="02040503050406030204" pitchFamily="18" charset="0"/>
+                            <a:ea typeface="Cambria Math" panose="02040503050406030204" pitchFamily="18" charset="0"/>
+                          </a:rPr>
+                          <m:t>≥</m:t>
+                        </m:r>
+                        <m:r>
+                          <a:rPr lang="en-US" b="0" i="1" smtClean="0">
+                            <a:latin typeface="Cambria Math" panose="02040503050406030204" pitchFamily="18" charset="0"/>
+                            <a:ea typeface="Cambria Math" panose="02040503050406030204" pitchFamily="18" charset="0"/>
+                          </a:rPr>
+                          <m:t>ℒ</m:t>
+                        </m:r>
+                        <m:r>
+                          <a:rPr lang="en-US" b="0" i="1" smtClean="0">
+                            <a:latin typeface="Cambria Math" panose="02040503050406030204" pitchFamily="18" charset="0"/>
+                            <a:ea typeface="Cambria Math" panose="02040503050406030204" pitchFamily="18" charset="0"/>
+                          </a:rPr>
+                          <m:t>[</m:t>
+                        </m:r>
+                        <m:r>
+                          <a:rPr lang="en-US" b="0" i="1" smtClean="0">
+                            <a:latin typeface="Cambria Math" panose="02040503050406030204" pitchFamily="18" charset="0"/>
+                            <a:ea typeface="Cambria Math" panose="02040503050406030204" pitchFamily="18" charset="0"/>
+                          </a:rPr>
+                          <m:t>𝑓</m:t>
+                        </m:r>
+                        <m:r>
+                          <a:rPr lang="en-US" b="0" i="1" smtClean="0">
+                            <a:latin typeface="Cambria Math" panose="02040503050406030204" pitchFamily="18" charset="0"/>
+                            <a:ea typeface="Cambria Math" panose="02040503050406030204" pitchFamily="18" charset="0"/>
+                          </a:rPr>
+                          <m:t>|</m:t>
+                        </m:r>
+                        <m:r>
+                          <a:rPr lang="en-US" b="0" i="1" smtClean="0">
+                            <a:latin typeface="Cambria Math" panose="02040503050406030204" pitchFamily="18" charset="0"/>
+                            <a:ea typeface="Cambria Math" panose="02040503050406030204" pitchFamily="18" charset="0"/>
+                          </a:rPr>
+                          <m:t>𝑥</m:t>
+                        </m:r>
+                        <m:r>
+                          <a:rPr lang="en-US" b="0" i="1" smtClean="0">
+                            <a:latin typeface="Cambria Math" panose="02040503050406030204" pitchFamily="18" charset="0"/>
+                            <a:ea typeface="Cambria Math" panose="02040503050406030204" pitchFamily="18" charset="0"/>
+                          </a:rPr>
+                          <m:t>]</m:t>
+                        </m:r>
                       </m:e>
                     </m:d>
                   </m:oMath>
@@ -6632,7 +6545,7 @@
                 </a:pPr>
                 <a:r>
                   <a:rPr lang="en-DE" dirty="0"/>
-                  <a:t>Male Region </a:t>
+                  <a:t>Male region </a:t>
                 </a:r>
                 <a14:m>
                   <m:oMath xmlns:m="http://schemas.openxmlformats.org/officeDocument/2006/math">
@@ -6823,10 +6736,12 @@
                             <a:latin typeface="Cambria Math" panose="02040503050406030204" pitchFamily="18" charset="0"/>
                             <a:ea typeface="Cambria Math" panose="02040503050406030204" pitchFamily="18" charset="0"/>
                           </a:rPr>
-                          <m:t>𝑃</m:t>
+                          <m:t>ℒ</m:t>
                         </m:r>
                         <m:d>
                           <m:dPr>
+                            <m:begChr m:val="["/>
+                            <m:endChr m:val="]"/>
                             <m:ctrlPr>
                               <a:rPr lang="en-US" i="1">
                                 <a:latin typeface="Cambria Math" panose="02040503050406030204" pitchFamily="18" charset="0"/>
@@ -6836,25 +6751,11 @@
                           </m:dPr>
                           <m:e>
                             <m:r>
-                              <a:rPr lang="en-US" i="1">
-                                <a:latin typeface="Cambria Math" panose="02040503050406030204" pitchFamily="18" charset="0"/>
-                                <a:ea typeface="Cambria Math" panose="02040503050406030204" pitchFamily="18" charset="0"/>
-                              </a:rPr>
-                              <m:t>𝑦</m:t>
-                            </m:r>
-                            <m:r>
-                              <a:rPr lang="en-US" i="1">
-                                <a:latin typeface="Cambria Math" panose="02040503050406030204" pitchFamily="18" charset="0"/>
-                                <a:ea typeface="Cambria Math" panose="02040503050406030204" pitchFamily="18" charset="0"/>
-                              </a:rPr>
-                              <m:t>=</m:t>
-                            </m:r>
-                            <m:r>
                               <a:rPr lang="en-US" b="0" i="1" smtClean="0">
                                 <a:latin typeface="Cambria Math" panose="02040503050406030204" pitchFamily="18" charset="0"/>
                                 <a:ea typeface="Cambria Math" panose="02040503050406030204" pitchFamily="18" charset="0"/>
                               </a:rPr>
-                              <m:t>𝑚</m:t>
+                              <m:t>𝑓</m:t>
                             </m:r>
                           </m:e>
                           <m:e>
@@ -6879,50 +6780,43 @@
                             <a:latin typeface="Cambria Math" panose="02040503050406030204" pitchFamily="18" charset="0"/>
                             <a:ea typeface="Cambria Math" panose="02040503050406030204" pitchFamily="18" charset="0"/>
                           </a:rPr>
-                          <m:t>𝑃</m:t>
-                        </m:r>
-                        <m:d>
-                          <m:dPr>
-                            <m:ctrlPr>
-                              <a:rPr lang="en-US" i="1">
-                                <a:latin typeface="Cambria Math" panose="02040503050406030204" pitchFamily="18" charset="0"/>
-                                <a:ea typeface="Cambria Math" panose="02040503050406030204" pitchFamily="18" charset="0"/>
-                              </a:rPr>
-                            </m:ctrlPr>
-                          </m:dPr>
-                          <m:e>
-                            <m:r>
-                              <a:rPr lang="en-US" i="1">
-                                <a:latin typeface="Cambria Math" panose="02040503050406030204" pitchFamily="18" charset="0"/>
-                                <a:ea typeface="Cambria Math" panose="02040503050406030204" pitchFamily="18" charset="0"/>
-                              </a:rPr>
-                              <m:t>𝑦</m:t>
-                            </m:r>
-                            <m:r>
-                              <a:rPr lang="en-US" i="1">
-                                <a:latin typeface="Cambria Math" panose="02040503050406030204" pitchFamily="18" charset="0"/>
-                                <a:ea typeface="Cambria Math" panose="02040503050406030204" pitchFamily="18" charset="0"/>
-                              </a:rPr>
-                              <m:t>=</m:t>
-                            </m:r>
-                            <m:r>
-                              <a:rPr lang="en-US" i="1">
-                                <a:latin typeface="Cambria Math" panose="02040503050406030204" pitchFamily="18" charset="0"/>
-                                <a:ea typeface="Cambria Math" panose="02040503050406030204" pitchFamily="18" charset="0"/>
-                              </a:rPr>
-                              <m:t>𝑚</m:t>
-                            </m:r>
-                          </m:e>
-                          <m:e>
-                            <m:r>
-                              <a:rPr lang="en-US" b="0" i="1" smtClean="0">
-                                <a:latin typeface="Cambria Math" panose="02040503050406030204" pitchFamily="18" charset="0"/>
-                                <a:ea typeface="Cambria Math" panose="02040503050406030204" pitchFamily="18" charset="0"/>
-                              </a:rPr>
-                              <m:t>𝑓</m:t>
-                            </m:r>
-                          </m:e>
-                        </m:d>
+                          <m:t>ℒ</m:t>
+                        </m:r>
+                        <m:r>
+                          <a:rPr lang="en-US" i="1">
+                            <a:latin typeface="Cambria Math" panose="02040503050406030204" pitchFamily="18" charset="0"/>
+                            <a:ea typeface="Cambria Math" panose="02040503050406030204" pitchFamily="18" charset="0"/>
+                          </a:rPr>
+                          <m:t>[</m:t>
+                        </m:r>
+                        <m:r>
+                          <a:rPr lang="en-US" b="0" i="1" smtClean="0">
+                            <a:latin typeface="Cambria Math" panose="02040503050406030204" pitchFamily="18" charset="0"/>
+                            <a:ea typeface="Cambria Math" panose="02040503050406030204" pitchFamily="18" charset="0"/>
+                          </a:rPr>
+                          <m:t>𝑚</m:t>
+                        </m:r>
+                        <m:r>
+                          <a:rPr lang="en-US" i="1">
+                            <a:latin typeface="Cambria Math" panose="02040503050406030204" pitchFamily="18" charset="0"/>
+                            <a:ea typeface="Cambria Math" panose="02040503050406030204" pitchFamily="18" charset="0"/>
+                          </a:rPr>
+                          <m:t>|</m:t>
+                        </m:r>
+                        <m:r>
+                          <a:rPr lang="en-US" i="1">
+                            <a:latin typeface="Cambria Math" panose="02040503050406030204" pitchFamily="18" charset="0"/>
+                            <a:ea typeface="Cambria Math" panose="02040503050406030204" pitchFamily="18" charset="0"/>
+                          </a:rPr>
+                          <m:t>𝑥</m:t>
+                        </m:r>
+                        <m:r>
+                          <a:rPr lang="en-US" i="1">
+                            <a:latin typeface="Cambria Math" panose="02040503050406030204" pitchFamily="18" charset="0"/>
+                            <a:ea typeface="Cambria Math" panose="02040503050406030204" pitchFamily="18" charset="0"/>
+                          </a:rPr>
+                          <m:t>]</m:t>
+                        </m:r>
                       </m:e>
                     </m:d>
                   </m:oMath>
@@ -6979,10 +6873,10 @@
       </mc:AlternateContent>
       <p:pic>
         <p:nvPicPr>
-          <p:cNvPr id="13" name="Content Placeholder 12">
+          <p:cNvPr id="21" name="Content Placeholder 20">
             <a:extLst>
               <a:ext uri="{FF2B5EF4-FFF2-40B4-BE49-F238E27FC236}">
-                <a16:creationId xmlns:a16="http://schemas.microsoft.com/office/drawing/2014/main" id="{02E2F1FE-D694-F44C-B120-A722D0DFB9F3}"/>
+                <a16:creationId xmlns:a16="http://schemas.microsoft.com/office/drawing/2014/main" id="{7EBFF4CB-BFD5-2944-91CA-236AA06A8A50}"/>
               </a:ext>
             </a:extLst>
           </p:cNvPr>
@@ -7001,11 +6895,330 @@
         </p:blipFill>
         <p:spPr>
           <a:xfrm>
-            <a:off x="4360523" y="1241339"/>
-            <a:ext cx="7221876" cy="4732183"/>
+            <a:off x="4455267" y="1241339"/>
+            <a:ext cx="7127132" cy="4670101"/>
           </a:xfrm>
         </p:spPr>
       </p:pic>
+      <p:cxnSp>
+        <p:nvCxnSpPr>
+          <p:cNvPr id="22" name="Straight Arrow Connector 21">
+            <a:extLst>
+              <a:ext uri="{FF2B5EF4-FFF2-40B4-BE49-F238E27FC236}">
+                <a16:creationId xmlns:a16="http://schemas.microsoft.com/office/drawing/2014/main" id="{663E8869-3A1D-7646-B58C-1FF9BCC9BB97}"/>
+              </a:ext>
+            </a:extLst>
+          </p:cNvPr>
+          <p:cNvCxnSpPr>
+            <a:cxnSpLocks/>
+          </p:cNvCxnSpPr>
+          <p:nvPr/>
+        </p:nvCxnSpPr>
+        <p:spPr>
+          <a:xfrm>
+            <a:off x="9545445" y="5955530"/>
+            <a:ext cx="1895707" cy="0"/>
+          </a:xfrm>
+          <a:prstGeom prst="straightConnector1">
+            <a:avLst/>
+          </a:prstGeom>
+          <a:ln w="38100">
+            <a:tailEnd type="triangle"/>
+          </a:ln>
+        </p:spPr>
+        <p:style>
+          <a:lnRef idx="1">
+            <a:schemeClr val="accent1"/>
+          </a:lnRef>
+          <a:fillRef idx="0">
+            <a:schemeClr val="accent1"/>
+          </a:fillRef>
+          <a:effectRef idx="0">
+            <a:schemeClr val="accent1"/>
+          </a:effectRef>
+          <a:fontRef idx="minor">
+            <a:schemeClr val="tx1"/>
+          </a:fontRef>
+        </p:style>
+      </p:cxnSp>
+      <p:cxnSp>
+        <p:nvCxnSpPr>
+          <p:cNvPr id="26" name="Straight Arrow Connector 25">
+            <a:extLst>
+              <a:ext uri="{FF2B5EF4-FFF2-40B4-BE49-F238E27FC236}">
+                <a16:creationId xmlns:a16="http://schemas.microsoft.com/office/drawing/2014/main" id="{9A137A62-476E-1B40-BBAA-F6B44DCAB6CC}"/>
+              </a:ext>
+            </a:extLst>
+          </p:cNvPr>
+          <p:cNvCxnSpPr>
+            <a:cxnSpLocks/>
+          </p:cNvCxnSpPr>
+          <p:nvPr/>
+        </p:nvCxnSpPr>
+        <p:spPr>
+          <a:xfrm flipH="1">
+            <a:off x="8463773" y="5955530"/>
+            <a:ext cx="1033346" cy="0"/>
+          </a:xfrm>
+          <a:prstGeom prst="straightConnector1">
+            <a:avLst/>
+          </a:prstGeom>
+          <a:ln w="38100">
+            <a:solidFill>
+              <a:srgbClr val="FF0000"/>
+            </a:solidFill>
+            <a:tailEnd type="triangle"/>
+          </a:ln>
+        </p:spPr>
+        <p:style>
+          <a:lnRef idx="1">
+            <a:schemeClr val="accent1"/>
+          </a:lnRef>
+          <a:fillRef idx="0">
+            <a:schemeClr val="accent1"/>
+          </a:fillRef>
+          <a:effectRef idx="0">
+            <a:schemeClr val="accent1"/>
+          </a:effectRef>
+          <a:fontRef idx="minor">
+            <a:schemeClr val="tx1"/>
+          </a:fontRef>
+        </p:style>
+      </p:cxnSp>
+      <mc:AlternateContent xmlns:mc="http://schemas.openxmlformats.org/markup-compatibility/2006">
+        <mc:Choice xmlns:a14="http://schemas.microsoft.com/office/drawing/2010/main" Requires="a14">
+          <p:sp>
+            <p:nvSpPr>
+              <p:cNvPr id="27" name="TextBox 26">
+                <a:extLst>
+                  <a:ext uri="{FF2B5EF4-FFF2-40B4-BE49-F238E27FC236}">
+                    <a16:creationId xmlns:a16="http://schemas.microsoft.com/office/drawing/2014/main" id="{068513C8-8482-C948-A3EB-8B5A8888CFC2}"/>
+                  </a:ext>
+                </a:extLst>
+              </p:cNvPr>
+              <p:cNvSpPr txBox="1"/>
+              <p:nvPr/>
+            </p:nvSpPr>
+            <p:spPr>
+              <a:xfrm>
+                <a:off x="8813180" y="5944378"/>
+                <a:ext cx="434897" cy="391582"/>
+              </a:xfrm>
+              <a:prstGeom prst="rect">
+                <a:avLst/>
+              </a:prstGeom>
+              <a:noFill/>
+            </p:spPr>
+            <p:txBody>
+              <a:bodyPr wrap="square" rtlCol="0">
+                <a:spAutoFit/>
+              </a:bodyPr>
+              <a:lstStyle/>
+              <a:p>
+                <a14:m>
+                  <m:oMathPara xmlns:m="http://schemas.openxmlformats.org/officeDocument/2006/math">
+                    <m:oMathParaPr>
+                      <m:jc m:val="centerGroup"/>
+                    </m:oMathParaPr>
+                    <m:oMath xmlns:m="http://schemas.openxmlformats.org/officeDocument/2006/math">
+                      <m:sSub>
+                        <m:sSubPr>
+                          <m:ctrlPr>
+                            <a:rPr lang="en-DE" i="1" smtClean="0">
+                              <a:latin typeface="Cambria Math" panose="02040503050406030204" pitchFamily="18" charset="0"/>
+                              <a:ea typeface="Cambria Math" panose="02040503050406030204" pitchFamily="18" charset="0"/>
+                            </a:rPr>
+                          </m:ctrlPr>
+                        </m:sSubPr>
+                        <m:e>
+                          <m:r>
+                            <a:rPr lang="en-DE" i="1" smtClean="0">
+                              <a:latin typeface="Cambria Math" panose="02040503050406030204" pitchFamily="18" charset="0"/>
+                              <a:ea typeface="Cambria Math" panose="02040503050406030204" pitchFamily="18" charset="0"/>
+                            </a:rPr>
+                            <m:t>ℛ</m:t>
+                          </m:r>
+                        </m:e>
+                        <m:sub>
+                          <m:r>
+                            <a:rPr lang="en-US" b="0" i="1" smtClean="0">
+                              <a:latin typeface="Cambria Math" panose="02040503050406030204" pitchFamily="18" charset="0"/>
+                              <a:ea typeface="Cambria Math" panose="02040503050406030204" pitchFamily="18" charset="0"/>
+                            </a:rPr>
+                            <m:t>𝑓</m:t>
+                          </m:r>
+                        </m:sub>
+                      </m:sSub>
+                    </m:oMath>
+                  </m:oMathPara>
+                </a14:m>
+                <a:endParaRPr lang="en-DE" dirty="0"/>
+              </a:p>
+            </p:txBody>
+          </p:sp>
+        </mc:Choice>
+        <mc:Fallback>
+          <p:sp>
+            <p:nvSpPr>
+              <p:cNvPr id="27" name="TextBox 26">
+                <a:extLst>
+                  <a:ext uri="{FF2B5EF4-FFF2-40B4-BE49-F238E27FC236}">
+                    <a16:creationId xmlns:a16="http://schemas.microsoft.com/office/drawing/2014/main" id="{068513C8-8482-C948-A3EB-8B5A8888CFC2}"/>
+                  </a:ext>
+                </a:extLst>
+              </p:cNvPr>
+              <p:cNvSpPr txBox="1">
+                <a:spLocks noRot="1" noChangeAspect="1" noMove="1" noResize="1" noEditPoints="1" noAdjustHandles="1" noChangeArrowheads="1" noChangeShapeType="1" noTextEdit="1"/>
+              </p:cNvSpPr>
+              <p:nvPr/>
+            </p:nvSpPr>
+            <p:spPr>
+              <a:xfrm>
+                <a:off x="8813180" y="5944378"/>
+                <a:ext cx="434897" cy="391582"/>
+              </a:xfrm>
+              <a:prstGeom prst="rect">
+                <a:avLst/>
+              </a:prstGeom>
+              <a:blipFill>
+                <a:blip r:embed="rId4"/>
+                <a:stretch>
+                  <a:fillRect b="-9677"/>
+                </a:stretch>
+              </a:blipFill>
+            </p:spPr>
+            <p:txBody>
+              <a:bodyPr/>
+              <a:lstStyle/>
+              <a:p>
+                <a:r>
+                  <a:rPr lang="en-DE">
+                    <a:noFill/>
+                  </a:rPr>
+                  <a:t> </a:t>
+                </a:r>
+              </a:p>
+            </p:txBody>
+          </p:sp>
+        </mc:Fallback>
+      </mc:AlternateContent>
+      <mc:AlternateContent xmlns:mc="http://schemas.openxmlformats.org/markup-compatibility/2006">
+        <mc:Choice xmlns:a14="http://schemas.microsoft.com/office/drawing/2010/main" Requires="a14">
+          <p:sp>
+            <p:nvSpPr>
+              <p:cNvPr id="28" name="TextBox 27">
+                <a:extLst>
+                  <a:ext uri="{FF2B5EF4-FFF2-40B4-BE49-F238E27FC236}">
+                    <a16:creationId xmlns:a16="http://schemas.microsoft.com/office/drawing/2014/main" id="{DE8FF1EC-FE48-EB46-8F52-C3840F308B6A}"/>
+                  </a:ext>
+                </a:extLst>
+              </p:cNvPr>
+              <p:cNvSpPr txBox="1"/>
+              <p:nvPr/>
+            </p:nvSpPr>
+            <p:spPr>
+              <a:xfrm>
+                <a:off x="10253697" y="5955503"/>
+                <a:ext cx="434897" cy="369332"/>
+              </a:xfrm>
+              <a:prstGeom prst="rect">
+                <a:avLst/>
+              </a:prstGeom>
+              <a:noFill/>
+            </p:spPr>
+            <p:txBody>
+              <a:bodyPr wrap="square" rtlCol="0">
+                <a:spAutoFit/>
+              </a:bodyPr>
+              <a:lstStyle/>
+              <a:p>
+                <a14:m>
+                  <m:oMathPara xmlns:m="http://schemas.openxmlformats.org/officeDocument/2006/math">
+                    <m:oMathParaPr>
+                      <m:jc m:val="centerGroup"/>
+                    </m:oMathParaPr>
+                    <m:oMath xmlns:m="http://schemas.openxmlformats.org/officeDocument/2006/math">
+                      <m:sSub>
+                        <m:sSubPr>
+                          <m:ctrlPr>
+                            <a:rPr lang="en-DE" i="1" smtClean="0">
+                              <a:latin typeface="Cambria Math" panose="02040503050406030204" pitchFamily="18" charset="0"/>
+                              <a:ea typeface="Cambria Math" panose="02040503050406030204" pitchFamily="18" charset="0"/>
+                            </a:rPr>
+                          </m:ctrlPr>
+                        </m:sSubPr>
+                        <m:e>
+                          <m:r>
+                            <a:rPr lang="en-DE" i="1" smtClean="0">
+                              <a:latin typeface="Cambria Math" panose="02040503050406030204" pitchFamily="18" charset="0"/>
+                              <a:ea typeface="Cambria Math" panose="02040503050406030204" pitchFamily="18" charset="0"/>
+                            </a:rPr>
+                            <m:t>ℛ</m:t>
+                          </m:r>
+                        </m:e>
+                        <m:sub>
+                          <m:r>
+                            <a:rPr lang="en-US" b="0" i="1" smtClean="0">
+                              <a:latin typeface="Cambria Math" panose="02040503050406030204" pitchFamily="18" charset="0"/>
+                              <a:ea typeface="Cambria Math" panose="02040503050406030204" pitchFamily="18" charset="0"/>
+                            </a:rPr>
+                            <m:t>𝑚</m:t>
+                          </m:r>
+                        </m:sub>
+                      </m:sSub>
+                    </m:oMath>
+                  </m:oMathPara>
+                </a14:m>
+                <a:endParaRPr lang="en-DE" dirty="0"/>
+              </a:p>
+            </p:txBody>
+          </p:sp>
+        </mc:Choice>
+        <mc:Fallback>
+          <p:sp>
+            <p:nvSpPr>
+              <p:cNvPr id="28" name="TextBox 27">
+                <a:extLst>
+                  <a:ext uri="{FF2B5EF4-FFF2-40B4-BE49-F238E27FC236}">
+                    <a16:creationId xmlns:a16="http://schemas.microsoft.com/office/drawing/2014/main" id="{DE8FF1EC-FE48-EB46-8F52-C3840F308B6A}"/>
+                  </a:ext>
+                </a:extLst>
+              </p:cNvPr>
+              <p:cNvSpPr txBox="1">
+                <a:spLocks noRot="1" noChangeAspect="1" noMove="1" noResize="1" noEditPoints="1" noAdjustHandles="1" noChangeArrowheads="1" noChangeShapeType="1" noTextEdit="1"/>
+              </p:cNvSpPr>
+              <p:nvPr/>
+            </p:nvSpPr>
+            <p:spPr>
+              <a:xfrm>
+                <a:off x="10253697" y="5955503"/>
+                <a:ext cx="434897" cy="369332"/>
+              </a:xfrm>
+              <a:prstGeom prst="rect">
+                <a:avLst/>
+              </a:prstGeom>
+              <a:blipFill>
+                <a:blip r:embed="rId5"/>
+                <a:stretch>
+                  <a:fillRect r="-5714"/>
+                </a:stretch>
+              </a:blipFill>
+            </p:spPr>
+            <p:txBody>
+              <a:bodyPr/>
+              <a:lstStyle/>
+              <a:p>
+                <a:r>
+                  <a:rPr lang="en-DE">
+                    <a:noFill/>
+                  </a:rPr>
+                  <a:t> </a:t>
+                </a:r>
+              </a:p>
+            </p:txBody>
+          </p:sp>
+        </mc:Fallback>
+      </mc:AlternateContent>
     </p:spTree>
     <p:extLst>
       <p:ext uri="{BB962C8B-B14F-4D97-AF65-F5344CB8AC3E}">
@@ -7158,7 +7371,7 @@
           <a:p>
             <a:r>
               <a:rPr lang="en-DE" dirty="0"/>
-              <a:t>1. Balance priors and balanced Loss</a:t>
+              <a:t>1. Balance priors and balanced loss</a:t>
             </a:r>
           </a:p>
         </p:txBody>
@@ -7315,7 +7528,7 @@
           <a:p>
             <a:r>
               <a:rPr lang="en-DE" dirty="0"/>
-              <a:t>2. Unbalance priors and balanced Loss</a:t>
+              <a:t>2. Unbalance priors and balanced loss</a:t>
             </a:r>
           </a:p>
         </p:txBody>
@@ -7378,7 +7591,7 @@
           <a:p>
             <a:r>
               <a:rPr lang="en-DE" dirty="0"/>
-              <a:t>3. Balanced Priors and Unbalanced Loss</a:t>
+              <a:t>Illustration</a:t>
             </a:r>
           </a:p>
         </p:txBody>
@@ -7442,6 +7655,41 @@
           </a:xfrm>
         </p:spPr>
       </p:pic>
+      <p:sp>
+        <p:nvSpPr>
+          <p:cNvPr id="7" name="TextBox 6">
+            <a:extLst>
+              <a:ext uri="{FF2B5EF4-FFF2-40B4-BE49-F238E27FC236}">
+                <a16:creationId xmlns:a16="http://schemas.microsoft.com/office/drawing/2014/main" id="{A608BAD5-AB08-824C-B04E-FDD6572BDA96}"/>
+              </a:ext>
+            </a:extLst>
+          </p:cNvPr>
+          <p:cNvSpPr txBox="1"/>
+          <p:nvPr/>
+        </p:nvSpPr>
+        <p:spPr>
+          <a:xfrm>
+            <a:off x="609601" y="737706"/>
+            <a:ext cx="3904033" cy="369332"/>
+          </a:xfrm>
+          <a:prstGeom prst="rect">
+            <a:avLst/>
+          </a:prstGeom>
+          <a:noFill/>
+        </p:spPr>
+        <p:txBody>
+          <a:bodyPr wrap="square" rtlCol="0">
+            <a:spAutoFit/>
+          </a:bodyPr>
+          <a:lstStyle/>
+          <a:p>
+            <a:r>
+              <a:rPr lang="en-DE" dirty="0"/>
+              <a:t>3. Balance priors and unbalanced loss</a:t>
+            </a:r>
+          </a:p>
+        </p:txBody>
+      </p:sp>
     </p:spTree>
     <p:extLst>
       <p:ext uri="{BB962C8B-B14F-4D97-AF65-F5344CB8AC3E}">

--- a/talk.pptx
+++ b/talk.pptx
@@ -3260,7 +3260,7 @@
         </p:nvSpPr>
         <p:spPr>
           <a:xfrm>
-            <a:off x="330820" y="935159"/>
+            <a:off x="609599" y="935159"/>
             <a:ext cx="10972800" cy="5309412"/>
           </a:xfrm>
         </p:spPr>
@@ -3275,26 +3275,7 @@
             </a:pPr>
             <a:r>
               <a:rPr lang="en-US" dirty="0"/>
-              <a:t>Summarize main results / finding</a:t>
-            </a:r>
-          </a:p>
-          <a:p>
-            <a:pPr>
-              <a:lnSpc>
-                <a:spcPct val="100000"/>
-              </a:lnSpc>
-            </a:pPr>
-            <a:endParaRPr lang="en-US" dirty="0"/>
-          </a:p>
-          <a:p>
-            <a:pPr>
-              <a:lnSpc>
-                <a:spcPct val="100000"/>
-              </a:lnSpc>
-            </a:pPr>
-            <a:r>
-              <a:rPr lang="en-US" dirty="0"/>
-              <a:t>Present outlook to interesting future work / directions</a:t>
+              <a:t>The posteriors move depend on the priors</a:t>
             </a:r>
           </a:p>
           <a:p>
@@ -3304,6 +3285,38 @@
               </a:lnSpc>
               <a:buNone/>
             </a:pPr>
+            <a:endParaRPr lang="en-US" dirty="0"/>
+          </a:p>
+          <a:p>
+            <a:pPr>
+              <a:lnSpc>
+                <a:spcPct val="100000"/>
+              </a:lnSpc>
+            </a:pPr>
+            <a:r>
+              <a:rPr lang="en-US" dirty="0"/>
+              <a:t>The class conditional errors move depend on the loss</a:t>
+            </a:r>
+          </a:p>
+          <a:p>
+            <a:pPr marL="0" indent="0">
+              <a:lnSpc>
+                <a:spcPct val="100000"/>
+              </a:lnSpc>
+              <a:buNone/>
+            </a:pPr>
+            <a:endParaRPr lang="en-US" dirty="0"/>
+          </a:p>
+          <a:p>
+            <a:pPr>
+              <a:lnSpc>
+                <a:spcPct val="100000"/>
+              </a:lnSpc>
+            </a:pPr>
+            <a:r>
+              <a:rPr lang="en-GB" dirty="0"/>
+              <a:t>The position of the decision boundary depends on the priors and the loss values. </a:t>
+            </a:r>
             <a:endParaRPr lang="en-US" dirty="0"/>
           </a:p>
         </p:txBody>

--- a/talk.pptx
+++ b/talk.pptx
@@ -3288,6 +3288,15 @@
             <a:endParaRPr lang="en-US" dirty="0"/>
           </a:p>
           <a:p>
+            <a:pPr marL="0" indent="0">
+              <a:lnSpc>
+                <a:spcPct val="100000"/>
+              </a:lnSpc>
+              <a:buNone/>
+            </a:pPr>
+            <a:endParaRPr lang="en-US" dirty="0"/>
+          </a:p>
+          <a:p>
             <a:pPr>
               <a:lnSpc>
                 <a:spcPct val="100000"/>
@@ -3295,8 +3304,17 @@
             </a:pPr>
             <a:r>
               <a:rPr lang="en-US" dirty="0"/>
-              <a:t>The class conditional errors move depend on the loss</a:t>
-            </a:r>
+              <a:t>The class conditional errors move depend on the loss values and the priors</a:t>
+            </a:r>
+          </a:p>
+          <a:p>
+            <a:pPr marL="0" indent="0">
+              <a:lnSpc>
+                <a:spcPct val="100000"/>
+              </a:lnSpc>
+              <a:buNone/>
+            </a:pPr>
+            <a:endParaRPr lang="en-US" dirty="0"/>
           </a:p>
           <a:p>
             <a:pPr marL="0" indent="0">
@@ -3449,6 +3467,9 @@
             <a:endParaRPr lang="en-US" dirty="0"/>
           </a:p>
           <a:p>
+            <a:endParaRPr lang="en-US" dirty="0"/>
+          </a:p>
+          <a:p>
             <a:r>
               <a:rPr lang="en-US" dirty="0"/>
               <a:t>Investigation</a:t>
@@ -3462,10 +3483,24 @@
             <a:endParaRPr lang="en-US" dirty="0"/>
           </a:p>
           <a:p>
+            <a:pPr marL="454025" lvl="1" indent="-179388">
+              <a:buFont typeface="Arial" panose="020B0604020202020204" pitchFamily="34" charset="0"/>
+              <a:buChar char="•"/>
+            </a:pPr>
+            <a:endParaRPr lang="en-US" dirty="0"/>
+          </a:p>
+          <a:p>
             <a:r>
               <a:rPr lang="en-US" dirty="0"/>
               <a:t>Illustration</a:t>
             </a:r>
+          </a:p>
+          <a:p>
+            <a:pPr marL="454025" indent="-179388">
+              <a:buFont typeface="Arial" panose="020B0604020202020204" pitchFamily="34" charset="0"/>
+              <a:buChar char="•"/>
+            </a:pPr>
+            <a:endParaRPr lang="en-US" dirty="0"/>
           </a:p>
           <a:p>
             <a:pPr marL="454025" indent="-179388">
@@ -3995,6 +4030,15 @@
                 <a:endParaRPr lang="en-US" dirty="0"/>
               </a:p>
               <a:p>
+                <a:pPr marL="268288" indent="0">
+                  <a:lnSpc>
+                    <a:spcPct val="100000"/>
+                  </a:lnSpc>
+                  <a:buNone/>
+                </a:pPr>
+                <a:endParaRPr lang="en-US" dirty="0"/>
+              </a:p>
+              <a:p>
                 <a:pPr>
                   <a:lnSpc>
                     <a:spcPct val="100000"/>
@@ -4045,6 +4089,15 @@
                 <a:endParaRPr lang="en-US" dirty="0"/>
               </a:p>
               <a:p>
+                <a:pPr marL="0" indent="0">
+                  <a:lnSpc>
+                    <a:spcPct val="100000"/>
+                  </a:lnSpc>
+                  <a:buNone/>
+                </a:pPr>
+                <a:endParaRPr lang="en-US" dirty="0"/>
+              </a:p>
+              <a:p>
                 <a:pPr>
                   <a:lnSpc>
                     <a:spcPct val="100000"/>
@@ -4067,14 +4120,6 @@
                   <a:rPr lang="en-US" dirty="0"/>
                   <a:t>Change the priors and the loss, then see the result</a:t>
                 </a:r>
-              </a:p>
-              <a:p>
-                <a:pPr>
-                  <a:lnSpc>
-                    <a:spcPct val="100000"/>
-                  </a:lnSpc>
-                </a:pPr>
-                <a:endParaRPr lang="en-US" dirty="0"/>
               </a:p>
               <a:p>
                 <a:pPr>
@@ -4112,7 +4157,7 @@
               <a:blipFill>
                 <a:blip r:embed="rId2"/>
                 <a:stretch>
-                  <a:fillRect l="-347"/>
+                  <a:fillRect l="-347" t="-2148"/>
                 </a:stretch>
               </a:blipFill>
             </p:spPr>
@@ -5159,7 +5204,7 @@
             <p:spPr>
               <a:xfrm>
                 <a:off x="446049" y="1405053"/>
-                <a:ext cx="4009218" cy="4012317"/>
+                <a:ext cx="4009218" cy="4289316"/>
               </a:xfrm>
               <a:prstGeom prst="rect">
                 <a:avLst/>
@@ -5186,6 +5231,13 @@
                   <a:rPr lang="en-DE" dirty="0"/>
                   <a:t>= 0.5</a:t>
                 </a:r>
+              </a:p>
+              <a:p>
+                <a:pPr marL="285750" indent="-285750">
+                  <a:buFont typeface="Wingdings" pitchFamily="2" charset="2"/>
+                  <a:buChar char="§"/>
+                </a:pPr>
+                <a:endParaRPr lang="en-DE" dirty="0"/>
               </a:p>
               <a:p>
                 <a:pPr marL="285750" indent="-285750">
@@ -5893,7 +5945,7 @@
             <p:spPr>
               <a:xfrm>
                 <a:off x="446049" y="1405053"/>
-                <a:ext cx="4009218" cy="4012317"/>
+                <a:ext cx="4009218" cy="4289316"/>
               </a:xfrm>
               <a:prstGeom prst="rect">
                 <a:avLst/>
@@ -5901,7 +5953,7 @@
               <a:blipFill>
                 <a:blip r:embed="rId5"/>
                 <a:stretch>
-                  <a:fillRect l="-1266" t="-631" b="-1262"/>
+                  <a:fillRect l="-1266" t="-590" b="-1180"/>
                 </a:stretch>
               </a:blipFill>
             </p:spPr>
